--- a/20231011/종합본.pptx
+++ b/20231011/종합본.pptx
@@ -253,7 +253,7 @@
           <a:p>
             <a:fld id="{1DE7DDA4-8B7A-4770-9487-3D904B6B6961}" type="datetimeFigureOut">
               <a:rPr lang="ko-KR" altLang="en-US" smtClean="0"/>
-              <a:t>2023-10-11</a:t>
+              <a:t>2023-10-12</a:t>
             </a:fld>
             <a:endParaRPr lang="ko-KR" altLang="en-US"/>
           </a:p>
@@ -423,7 +423,7 @@
           <a:p>
             <a:fld id="{1DE7DDA4-8B7A-4770-9487-3D904B6B6961}" type="datetimeFigureOut">
               <a:rPr lang="ko-KR" altLang="en-US" smtClean="0"/>
-              <a:t>2023-10-11</a:t>
+              <a:t>2023-10-12</a:t>
             </a:fld>
             <a:endParaRPr lang="ko-KR" altLang="en-US"/>
           </a:p>
@@ -603,7 +603,7 @@
           <a:p>
             <a:fld id="{1DE7DDA4-8B7A-4770-9487-3D904B6B6961}" type="datetimeFigureOut">
               <a:rPr lang="ko-KR" altLang="en-US" smtClean="0"/>
-              <a:t>2023-10-11</a:t>
+              <a:t>2023-10-12</a:t>
             </a:fld>
             <a:endParaRPr lang="ko-KR" altLang="en-US"/>
           </a:p>
@@ -773,7 +773,7 @@
           <a:p>
             <a:fld id="{1DE7DDA4-8B7A-4770-9487-3D904B6B6961}" type="datetimeFigureOut">
               <a:rPr lang="ko-KR" altLang="en-US" smtClean="0"/>
-              <a:t>2023-10-11</a:t>
+              <a:t>2023-10-12</a:t>
             </a:fld>
             <a:endParaRPr lang="ko-KR" altLang="en-US"/>
           </a:p>
@@ -1019,7 +1019,7 @@
           <a:p>
             <a:fld id="{1DE7DDA4-8B7A-4770-9487-3D904B6B6961}" type="datetimeFigureOut">
               <a:rPr lang="ko-KR" altLang="en-US" smtClean="0"/>
-              <a:t>2023-10-11</a:t>
+              <a:t>2023-10-12</a:t>
             </a:fld>
             <a:endParaRPr lang="ko-KR" altLang="en-US"/>
           </a:p>
@@ -1251,7 +1251,7 @@
           <a:p>
             <a:fld id="{1DE7DDA4-8B7A-4770-9487-3D904B6B6961}" type="datetimeFigureOut">
               <a:rPr lang="ko-KR" altLang="en-US" smtClean="0"/>
-              <a:t>2023-10-11</a:t>
+              <a:t>2023-10-12</a:t>
             </a:fld>
             <a:endParaRPr lang="ko-KR" altLang="en-US"/>
           </a:p>
@@ -1618,7 +1618,7 @@
           <a:p>
             <a:fld id="{1DE7DDA4-8B7A-4770-9487-3D904B6B6961}" type="datetimeFigureOut">
               <a:rPr lang="ko-KR" altLang="en-US" smtClean="0"/>
-              <a:t>2023-10-11</a:t>
+              <a:t>2023-10-12</a:t>
             </a:fld>
             <a:endParaRPr lang="ko-KR" altLang="en-US"/>
           </a:p>
@@ -1736,7 +1736,7 @@
           <a:p>
             <a:fld id="{1DE7DDA4-8B7A-4770-9487-3D904B6B6961}" type="datetimeFigureOut">
               <a:rPr lang="ko-KR" altLang="en-US" smtClean="0"/>
-              <a:t>2023-10-11</a:t>
+              <a:t>2023-10-12</a:t>
             </a:fld>
             <a:endParaRPr lang="ko-KR" altLang="en-US"/>
           </a:p>
@@ -1831,7 +1831,7 @@
           <a:p>
             <a:fld id="{1DE7DDA4-8B7A-4770-9487-3D904B6B6961}" type="datetimeFigureOut">
               <a:rPr lang="ko-KR" altLang="en-US" smtClean="0"/>
-              <a:t>2023-10-11</a:t>
+              <a:t>2023-10-12</a:t>
             </a:fld>
             <a:endParaRPr lang="ko-KR" altLang="en-US"/>
           </a:p>
@@ -2108,7 +2108,7 @@
           <a:p>
             <a:fld id="{1DE7DDA4-8B7A-4770-9487-3D904B6B6961}" type="datetimeFigureOut">
               <a:rPr lang="ko-KR" altLang="en-US" smtClean="0"/>
-              <a:t>2023-10-11</a:t>
+              <a:t>2023-10-12</a:t>
             </a:fld>
             <a:endParaRPr lang="ko-KR" altLang="en-US"/>
           </a:p>
@@ -2361,7 +2361,7 @@
           <a:p>
             <a:fld id="{1DE7DDA4-8B7A-4770-9487-3D904B6B6961}" type="datetimeFigureOut">
               <a:rPr lang="ko-KR" altLang="en-US" smtClean="0"/>
-              <a:t>2023-10-11</a:t>
+              <a:t>2023-10-12</a:t>
             </a:fld>
             <a:endParaRPr lang="ko-KR" altLang="en-US"/>
           </a:p>
@@ -2574,7 +2574,7 @@
           <a:p>
             <a:fld id="{1DE7DDA4-8B7A-4770-9487-3D904B6B6961}" type="datetimeFigureOut">
               <a:rPr lang="ko-KR" altLang="en-US" smtClean="0"/>
-              <a:t>2023-10-11</a:t>
+              <a:t>2023-10-12</a:t>
             </a:fld>
             <a:endParaRPr lang="ko-KR" altLang="en-US"/>
           </a:p>
@@ -16069,6 +16069,30 @@
               </a:rPr>
               <a:t>이승빈</a:t>
             </a:r>
+            <a:r>
+              <a:rPr lang="en-US" altLang="ko-KR" sz="2000" dirty="0" smtClean="0">
+                <a:solidFill>
+                  <a:schemeClr val="bg1"/>
+                </a:solidFill>
+              </a:rPr>
+              <a:t>(</a:t>
+            </a:r>
+            <a:r>
+              <a:rPr lang="ko-KR" altLang="en-US" sz="2000" dirty="0" smtClean="0">
+                <a:solidFill>
+                  <a:schemeClr val="bg1"/>
+                </a:solidFill>
+              </a:rPr>
+              <a:t>페르소나</a:t>
+            </a:r>
+            <a:r>
+              <a:rPr lang="en-US" altLang="ko-KR" sz="2000" dirty="0" smtClean="0">
+                <a:solidFill>
+                  <a:schemeClr val="bg1"/>
+                </a:solidFill>
+              </a:rPr>
+              <a:t>)</a:t>
+            </a:r>
             <a:endParaRPr lang="ko-KR" altLang="en-US" sz="2000" dirty="0">
               <a:solidFill>
                 <a:schemeClr val="bg1"/>
@@ -16275,6 +16299,30 @@
                 </a:solidFill>
               </a:rPr>
               <a:t>안지윤</a:t>
+            </a:r>
+            <a:r>
+              <a:rPr lang="en-US" altLang="ko-KR" dirty="0" smtClean="0">
+                <a:solidFill>
+                  <a:srgbClr val="99FFCC"/>
+                </a:solidFill>
+              </a:rPr>
+              <a:t>(</a:t>
+            </a:r>
+            <a:r>
+              <a:rPr lang="ko-KR" altLang="en-US" dirty="0" smtClean="0">
+                <a:solidFill>
+                  <a:srgbClr val="99FFCC"/>
+                </a:solidFill>
+              </a:rPr>
+              <a:t>페르소나</a:t>
+            </a:r>
+            <a:r>
+              <a:rPr lang="en-US" altLang="ko-KR" smtClean="0">
+                <a:solidFill>
+                  <a:srgbClr val="99FFCC"/>
+                </a:solidFill>
+              </a:rPr>
+              <a:t>)</a:t>
             </a:r>
             <a:endParaRPr lang="ko-KR" altLang="en-US" dirty="0">
               <a:solidFill>
